--- a/Master of Dungeons.pptx
+++ b/Master of Dungeons.pptx
@@ -196,7 +196,7 @@
           <a:p>
             <a:fld id="{64CE24C6-441A-4D73-B013-2D8E4E4E3214}" type="datetimeFigureOut">
               <a:rPr lang="ru-RU" smtClean="0"/>
-              <a:t>09.12.2021</a:t>
+              <a:t>13.12.2021</a:t>
             </a:fld>
             <a:endParaRPr lang="ru-RU"/>
           </a:p>
@@ -729,7 +729,7 @@
           <a:p>
             <a:fld id="{6E539F2E-E0A8-417C-8C41-F1492327CE69}" type="datetimeFigureOut">
               <a:rPr lang="ru-RU" smtClean="0"/>
-              <a:t>09.12.2021</a:t>
+              <a:t>13.12.2021</a:t>
             </a:fld>
             <a:endParaRPr lang="ru-RU"/>
           </a:p>
@@ -899,7 +899,7 @@
           <a:p>
             <a:fld id="{6E539F2E-E0A8-417C-8C41-F1492327CE69}" type="datetimeFigureOut">
               <a:rPr lang="ru-RU" smtClean="0"/>
-              <a:t>09.12.2021</a:t>
+              <a:t>13.12.2021</a:t>
             </a:fld>
             <a:endParaRPr lang="ru-RU"/>
           </a:p>
@@ -1079,7 +1079,7 @@
           <a:p>
             <a:fld id="{6E539F2E-E0A8-417C-8C41-F1492327CE69}" type="datetimeFigureOut">
               <a:rPr lang="ru-RU" smtClean="0"/>
-              <a:t>09.12.2021</a:t>
+              <a:t>13.12.2021</a:t>
             </a:fld>
             <a:endParaRPr lang="ru-RU"/>
           </a:p>
@@ -1249,7 +1249,7 @@
           <a:p>
             <a:fld id="{6E539F2E-E0A8-417C-8C41-F1492327CE69}" type="datetimeFigureOut">
               <a:rPr lang="ru-RU" smtClean="0"/>
-              <a:t>09.12.2021</a:t>
+              <a:t>13.12.2021</a:t>
             </a:fld>
             <a:endParaRPr lang="ru-RU"/>
           </a:p>
@@ -1495,7 +1495,7 @@
           <a:p>
             <a:fld id="{6E539F2E-E0A8-417C-8C41-F1492327CE69}" type="datetimeFigureOut">
               <a:rPr lang="ru-RU" smtClean="0"/>
-              <a:t>09.12.2021</a:t>
+              <a:t>13.12.2021</a:t>
             </a:fld>
             <a:endParaRPr lang="ru-RU"/>
           </a:p>
@@ -1783,7 +1783,7 @@
           <a:p>
             <a:fld id="{6E539F2E-E0A8-417C-8C41-F1492327CE69}" type="datetimeFigureOut">
               <a:rPr lang="ru-RU" smtClean="0"/>
-              <a:t>09.12.2021</a:t>
+              <a:t>13.12.2021</a:t>
             </a:fld>
             <a:endParaRPr lang="ru-RU"/>
           </a:p>
@@ -2205,7 +2205,7 @@
           <a:p>
             <a:fld id="{6E539F2E-E0A8-417C-8C41-F1492327CE69}" type="datetimeFigureOut">
               <a:rPr lang="ru-RU" smtClean="0"/>
-              <a:t>09.12.2021</a:t>
+              <a:t>13.12.2021</a:t>
             </a:fld>
             <a:endParaRPr lang="ru-RU"/>
           </a:p>
@@ -2323,7 +2323,7 @@
           <a:p>
             <a:fld id="{6E539F2E-E0A8-417C-8C41-F1492327CE69}" type="datetimeFigureOut">
               <a:rPr lang="ru-RU" smtClean="0"/>
-              <a:t>09.12.2021</a:t>
+              <a:t>13.12.2021</a:t>
             </a:fld>
             <a:endParaRPr lang="ru-RU"/>
           </a:p>
@@ -2418,7 +2418,7 @@
           <a:p>
             <a:fld id="{6E539F2E-E0A8-417C-8C41-F1492327CE69}" type="datetimeFigureOut">
               <a:rPr lang="ru-RU" smtClean="0"/>
-              <a:t>09.12.2021</a:t>
+              <a:t>13.12.2021</a:t>
             </a:fld>
             <a:endParaRPr lang="ru-RU"/>
           </a:p>
@@ -2695,7 +2695,7 @@
           <a:p>
             <a:fld id="{6E539F2E-E0A8-417C-8C41-F1492327CE69}" type="datetimeFigureOut">
               <a:rPr lang="ru-RU" smtClean="0"/>
-              <a:t>09.12.2021</a:t>
+              <a:t>13.12.2021</a:t>
             </a:fld>
             <a:endParaRPr lang="ru-RU"/>
           </a:p>
@@ -2948,7 +2948,7 @@
           <a:p>
             <a:fld id="{6E539F2E-E0A8-417C-8C41-F1492327CE69}" type="datetimeFigureOut">
               <a:rPr lang="ru-RU" smtClean="0"/>
-              <a:t>09.12.2021</a:t>
+              <a:t>13.12.2021</a:t>
             </a:fld>
             <a:endParaRPr lang="ru-RU"/>
           </a:p>
@@ -3161,7 +3161,7 @@
           <a:p>
             <a:fld id="{6E539F2E-E0A8-417C-8C41-F1492327CE69}" type="datetimeFigureOut">
               <a:rPr lang="ru-RU" smtClean="0"/>
-              <a:t>09.12.2021</a:t>
+              <a:t>13.12.2021</a:t>
             </a:fld>
             <a:endParaRPr lang="ru-RU"/>
           </a:p>
@@ -3745,7 +3745,7 @@
                 <a:latin typeface="Gabriola" panose="04040605051002020D02" pitchFamily="82" charset="0"/>
                 <a:ea typeface="Batang" panose="02030600000101010101" pitchFamily="18" charset="-127"/>
               </a:rPr>
-              <a:t>Учитель: </a:t>
+              <a:t>Преподаватель: </a:t>
             </a:r>
             <a:r>
               <a:rPr lang="ru-RU" sz="2400" dirty="0" err="1" smtClean="0">
@@ -4186,14 +4186,6 @@
               </a:rPr>
               <a:t> – однопользовательская игра, которая относится к категории «квесты». </a:t>
             </a:r>
-            <a:endParaRPr lang="ru-RU" sz="2800" dirty="0" smtClean="0">
-              <a:solidFill>
-                <a:schemeClr val="bg1">
-                  <a:lumMod val="75000"/>
-                </a:schemeClr>
-              </a:solidFill>
-              <a:latin typeface="Gabriola" panose="04040605051002020D02" pitchFamily="82" charset="0"/>
-            </a:endParaRPr>
           </a:p>
           <a:p>
             <a:pPr marL="0" indent="0">
@@ -4221,18 +4213,7 @@
                 </a:solidFill>
                 <a:latin typeface="Gabriola" panose="04040605051002020D02" pitchFamily="82" charset="0"/>
               </a:rPr>
-              <a:t>Планируется </a:t>
-            </a:r>
-            <a:r>
-              <a:rPr lang="ru-RU" sz="2800" dirty="0" smtClean="0">
-                <a:solidFill>
-                  <a:schemeClr val="bg1">
-                    <a:lumMod val="75000"/>
-                  </a:schemeClr>
-                </a:solidFill>
-                <a:latin typeface="Gabriola" panose="04040605051002020D02" pitchFamily="82" charset="0"/>
-              </a:rPr>
-              <a:t>создать:</a:t>
+              <a:t>Планируется создать:</a:t>
             </a:r>
           </a:p>
           <a:p>
